--- a/RestArea/중간발표.pptx
+++ b/RestArea/중간발표.pptx
@@ -5931,6 +5931,42 @@
           </a:p>
         </p:txBody>
       </p:sp>
+      <p:sp>
+        <p:nvSpPr>
+          <p:cNvPr id="20" name="TextBox 19">
+            <a:extLst>
+              <a:ext uri="{FF2B5EF4-FFF2-40B4-BE49-F238E27FC236}">
+                <a16:creationId xmlns:a16="http://schemas.microsoft.com/office/drawing/2014/main" id="{8C8439E3-951C-4532-AFD0-11CA559EEA67}"/>
+              </a:ext>
+            </a:extLst>
+          </p:cNvPr>
+          <p:cNvSpPr txBox="1"/>
+          <p:nvPr/>
+        </p:nvSpPr>
+        <p:spPr>
+          <a:xfrm>
+            <a:off x="6501603" y="4103127"/>
+            <a:ext cx="1899879" cy="477054"/>
+          </a:xfrm>
+          <a:prstGeom prst="rect">
+            <a:avLst/>
+          </a:prstGeom>
+          <a:noFill/>
+        </p:spPr>
+        <p:txBody>
+          <a:bodyPr wrap="none" rtlCol="0">
+            <a:spAutoFit/>
+          </a:bodyPr>
+          <a:lstStyle/>
+          <a:p>
+            <a:r>
+              <a:rPr lang="ko-KR" altLang="en-US" sz="2500"/>
+              <a:t>이벤트 출력</a:t>
+            </a:r>
+            <a:endParaRPr lang="ko-KR" altLang="en-US" sz="2500" dirty="0"/>
+          </a:p>
+        </p:txBody>
+      </p:sp>
     </p:spTree>
     <p:custDataLst>
       <p:tags r:id="rId1"/>
@@ -6017,7 +6053,7 @@
           <p:nvPr>
             <p:extLst>
               <p:ext uri="{D42A27DB-BD31-4B8C-83A1-F6EECF244321}">
-                <p14:modId xmlns:p14="http://schemas.microsoft.com/office/powerpoint/2010/main" val="1924485953"/>
+                <p14:modId xmlns:p14="http://schemas.microsoft.com/office/powerpoint/2010/main" val="813476584"/>
               </p:ext>
             </p:extLst>
           </p:nvPr>
@@ -6540,12 +6576,18 @@
                       </a:pPr>
                       <a:r>
                         <a:rPr lang="ko-KR" altLang="en-US" sz="1600" dirty="0">
+                          <a:solidFill>
+                            <a:schemeClr val="accent2"/>
+                          </a:solidFill>
                           <a:latin typeface="12롯데마트행복Bold" panose="02020603020101020101" pitchFamily="18" charset="-127"/>
                           <a:ea typeface="12롯데마트행복Bold" panose="02020603020101020101" pitchFamily="18" charset="-127"/>
                         </a:rPr>
                         <a:t>카테고리별 데이터 출력</a:t>
                       </a:r>
                       <a:endParaRPr lang="en-US" altLang="ko-KR" sz="1600" dirty="0">
+                        <a:solidFill>
+                          <a:schemeClr val="accent2"/>
+                        </a:solidFill>
                         <a:latin typeface="12롯데마트행복Bold" panose="02020603020101020101" pitchFamily="18" charset="-127"/>
                         <a:ea typeface="12롯데마트행복Bold" panose="02020603020101020101" pitchFamily="18" charset="-127"/>
                       </a:endParaRPr>
@@ -6646,6 +6688,9 @@
                       </a:pPr>
                       <a:r>
                         <a:rPr lang="en-US" altLang="ko-KR" sz="1600" dirty="0" err="1">
+                          <a:solidFill>
+                            <a:srgbClr val="C00000"/>
+                          </a:solidFill>
                           <a:latin typeface="12롯데마트행복Bold" panose="02020603020101020101" pitchFamily="18" charset="-127"/>
                           <a:ea typeface="12롯데마트행복Bold" panose="02020603020101020101" pitchFamily="18" charset="-127"/>
                         </a:rPr>
@@ -6653,12 +6698,18 @@
                       </a:r>
                       <a:r>
                         <a:rPr lang="ko-KR" altLang="en-US" sz="1600" dirty="0">
+                          <a:solidFill>
+                            <a:srgbClr val="C00000"/>
+                          </a:solidFill>
                           <a:latin typeface="12롯데마트행복Bold" panose="02020603020101020101" pitchFamily="18" charset="-127"/>
                           <a:ea typeface="12롯데마트행복Bold" panose="02020603020101020101" pitchFamily="18" charset="-127"/>
                         </a:rPr>
                         <a:t> 중간 발표 준비</a:t>
                       </a:r>
                       <a:endParaRPr lang="en-US" altLang="ko-KR" sz="1600" dirty="0">
+                        <a:solidFill>
+                          <a:srgbClr val="C00000"/>
+                        </a:solidFill>
                         <a:latin typeface="12롯데마트행복Bold" panose="02020603020101020101" pitchFamily="18" charset="-127"/>
                         <a:ea typeface="12롯데마트행복Bold" panose="02020603020101020101" pitchFamily="18" charset="-127"/>
                       </a:endParaRPr>
@@ -6683,12 +6734,18 @@
                       </a:pPr>
                       <a:r>
                         <a:rPr lang="ko-KR" altLang="en-US" sz="1600" dirty="0">
+                          <a:solidFill>
+                            <a:srgbClr val="C00000"/>
+                          </a:solidFill>
                           <a:latin typeface="12롯데마트행복Bold" panose="02020603020101020101" pitchFamily="18" charset="-127"/>
                           <a:ea typeface="12롯데마트행복Bold" panose="02020603020101020101" pitchFamily="18" charset="-127"/>
                         </a:rPr>
                         <a:t>휴게소의 이벤트 정보 출력</a:t>
                       </a:r>
                       <a:endParaRPr lang="en-US" altLang="ko-KR" sz="1600" dirty="0">
+                        <a:solidFill>
+                          <a:srgbClr val="C00000"/>
+                        </a:solidFill>
                         <a:latin typeface="12롯데마트행복Bold" panose="02020603020101020101" pitchFamily="18" charset="-127"/>
                         <a:ea typeface="12롯데마트행복Bold" panose="02020603020101020101" pitchFamily="18" charset="-127"/>
                       </a:endParaRPr>

--- a/RestArea/중간발표.pptx
+++ b/RestArea/중간발표.pptx
@@ -4451,7 +4451,7 @@
         </p:nvSpPr>
         <p:spPr>
           <a:xfrm>
-            <a:off x="8191849" y="147011"/>
+            <a:off x="7588534" y="391220"/>
             <a:ext cx="3849848" cy="1325563"/>
           </a:xfrm>
         </p:spPr>
@@ -4524,8 +4524,8 @@
         </p:nvSpPr>
         <p:spPr>
           <a:xfrm>
-            <a:off x="7436164" y="1523809"/>
-            <a:ext cx="4621778" cy="4339650"/>
+            <a:off x="7751520" y="1834893"/>
+            <a:ext cx="4161717" cy="3785652"/>
           </a:xfrm>
           <a:prstGeom prst="rect">
             <a:avLst/>
@@ -4567,38 +4567,6 @@
                 <a:ea typeface="12롯데마트행복Bold" panose="02020603020101020101" pitchFamily="18" charset="-127"/>
               </a:rPr>
               <a:t>휴게소별 대표음식 현황</a:t>
-            </a:r>
-            <a:endParaRPr lang="en-US" altLang="ko-KR" sz="2400" dirty="0">
-              <a:latin typeface="12롯데마트행복Bold" panose="02020603020101020101" pitchFamily="18" charset="-127"/>
-              <a:ea typeface="12롯데마트행복Bold" panose="02020603020101020101" pitchFamily="18" charset="-127"/>
-            </a:endParaRPr>
-          </a:p>
-          <a:p>
-            <a:pPr>
-              <a:lnSpc>
-                <a:spcPct val="150000"/>
-              </a:lnSpc>
-            </a:pPr>
-            <a:r>
-              <a:rPr lang="ko-KR" altLang="en-US" sz="2400" dirty="0">
-                <a:latin typeface="12롯데마트행복Bold" panose="02020603020101020101" pitchFamily="18" charset="-127"/>
-                <a:ea typeface="12롯데마트행복Bold" panose="02020603020101020101" pitchFamily="18" charset="-127"/>
-              </a:rPr>
-              <a:t>주유소별 가격</a:t>
-            </a:r>
-            <a:r>
-              <a:rPr lang="en-US" altLang="ko-KR" sz="2400" dirty="0">
-                <a:latin typeface="12롯데마트행복Bold" panose="02020603020101020101" pitchFamily="18" charset="-127"/>
-                <a:ea typeface="12롯데마트행복Bold" panose="02020603020101020101" pitchFamily="18" charset="-127"/>
-              </a:rPr>
-              <a:t>, </a:t>
-            </a:r>
-            <a:r>
-              <a:rPr lang="ko-KR" altLang="en-US" sz="2400" dirty="0">
-                <a:latin typeface="12롯데마트행복Bold" panose="02020603020101020101" pitchFamily="18" charset="-127"/>
-                <a:ea typeface="12롯데마트행복Bold" panose="02020603020101020101" pitchFamily="18" charset="-127"/>
-              </a:rPr>
-              <a:t>업체 현황</a:t>
             </a:r>
             <a:endParaRPr lang="en-US" altLang="ko-KR" sz="2400" dirty="0">
               <a:latin typeface="12롯데마트행복Bold" panose="02020603020101020101" pitchFamily="18" charset="-127"/>
@@ -4796,488 +4764,6 @@
   <p:clrMapOvr>
     <a:masterClrMapping/>
   </p:clrMapOvr>
-  <p:timing>
-    <p:tnLst>
-      <p:par>
-        <p:cTn id="1" dur="indefinite" restart="never" nodeType="tmRoot">
-          <p:childTnLst>
-            <p:seq concurrent="1" nextAc="seek">
-              <p:cTn id="2" dur="indefinite" nodeType="mainSeq">
-                <p:childTnLst>
-                  <p:par>
-                    <p:cTn id="3" fill="hold">
-                      <p:stCondLst>
-                        <p:cond delay="indefinite"/>
-                      </p:stCondLst>
-                      <p:childTnLst>
-                        <p:par>
-                          <p:cTn id="4" fill="hold">
-                            <p:stCondLst>
-                              <p:cond delay="0"/>
-                            </p:stCondLst>
-                            <p:childTnLst>
-                              <p:par>
-                                <p:cTn id="5" presetID="42" presetClass="entr" presetSubtype="0" fill="hold" nodeType="clickEffect">
-                                  <p:stCondLst>
-                                    <p:cond delay="0"/>
-                                  </p:stCondLst>
-                                  <p:childTnLst>
-                                    <p:set>
-                                      <p:cBhvr>
-                                        <p:cTn id="6" dur="1" fill="hold">
-                                          <p:stCondLst>
-                                            <p:cond delay="0"/>
-                                          </p:stCondLst>
-                                        </p:cTn>
-                                        <p:tgtEl>
-                                          <p:spTgt spid="9"/>
-                                        </p:tgtEl>
-                                        <p:attrNameLst>
-                                          <p:attrName>style.visibility</p:attrName>
-                                        </p:attrNameLst>
-                                      </p:cBhvr>
-                                      <p:to>
-                                        <p:strVal val="visible"/>
-                                      </p:to>
-                                    </p:set>
-                                    <p:animEffect transition="in" filter="fade">
-                                      <p:cBhvr>
-                                        <p:cTn id="7" dur="1000"/>
-                                        <p:tgtEl>
-                                          <p:spTgt spid="9"/>
-                                        </p:tgtEl>
-                                      </p:cBhvr>
-                                    </p:animEffect>
-                                    <p:anim calcmode="lin" valueType="num">
-                                      <p:cBhvr>
-                                        <p:cTn id="8" dur="1000" fill="hold"/>
-                                        <p:tgtEl>
-                                          <p:spTgt spid="9"/>
-                                        </p:tgtEl>
-                                        <p:attrNameLst>
-                                          <p:attrName>ppt_x</p:attrName>
-                                        </p:attrNameLst>
-                                      </p:cBhvr>
-                                      <p:tavLst>
-                                        <p:tav tm="0">
-                                          <p:val>
-                                            <p:strVal val="#ppt_x"/>
-                                          </p:val>
-                                        </p:tav>
-                                        <p:tav tm="100000">
-                                          <p:val>
-                                            <p:strVal val="#ppt_x"/>
-                                          </p:val>
-                                        </p:tav>
-                                      </p:tavLst>
-                                    </p:anim>
-                                    <p:anim calcmode="lin" valueType="num">
-                                      <p:cBhvr>
-                                        <p:cTn id="9" dur="1000" fill="hold"/>
-                                        <p:tgtEl>
-                                          <p:spTgt spid="9"/>
-                                        </p:tgtEl>
-                                        <p:attrNameLst>
-                                          <p:attrName>ppt_y</p:attrName>
-                                        </p:attrNameLst>
-                                      </p:cBhvr>
-                                      <p:tavLst>
-                                        <p:tav tm="0">
-                                          <p:val>
-                                            <p:strVal val="#ppt_y+.1"/>
-                                          </p:val>
-                                        </p:tav>
-                                        <p:tav tm="100000">
-                                          <p:val>
-                                            <p:strVal val="#ppt_y"/>
-                                          </p:val>
-                                        </p:tav>
-                                      </p:tavLst>
-                                    </p:anim>
-                                  </p:childTnLst>
-                                </p:cTn>
-                              </p:par>
-                            </p:childTnLst>
-                          </p:cTn>
-                        </p:par>
-                      </p:childTnLst>
-                    </p:cTn>
-                  </p:par>
-                  <p:par>
-                    <p:cTn id="10" fill="hold">
-                      <p:stCondLst>
-                        <p:cond delay="indefinite"/>
-                      </p:stCondLst>
-                      <p:childTnLst>
-                        <p:par>
-                          <p:cTn id="11" fill="hold">
-                            <p:stCondLst>
-                              <p:cond delay="0"/>
-                            </p:stCondLst>
-                            <p:childTnLst>
-                              <p:par>
-                                <p:cTn id="12" presetID="10" presetClass="entr" presetSubtype="0" fill="hold" grpId="0" nodeType="clickEffect">
-                                  <p:stCondLst>
-                                    <p:cond delay="0"/>
-                                  </p:stCondLst>
-                                  <p:childTnLst>
-                                    <p:set>
-                                      <p:cBhvr>
-                                        <p:cTn id="13" dur="1" fill="hold">
-                                          <p:stCondLst>
-                                            <p:cond delay="0"/>
-                                          </p:stCondLst>
-                                        </p:cTn>
-                                        <p:tgtEl>
-                                          <p:spTgt spid="14"/>
-                                        </p:tgtEl>
-                                        <p:attrNameLst>
-                                          <p:attrName>style.visibility</p:attrName>
-                                        </p:attrNameLst>
-                                      </p:cBhvr>
-                                      <p:to>
-                                        <p:strVal val="visible"/>
-                                      </p:to>
-                                    </p:set>
-                                    <p:animEffect transition="in" filter="fade">
-                                      <p:cBhvr>
-                                        <p:cTn id="14" dur="500"/>
-                                        <p:tgtEl>
-                                          <p:spTgt spid="14"/>
-                                        </p:tgtEl>
-                                      </p:cBhvr>
-                                    </p:animEffect>
-                                  </p:childTnLst>
-                                </p:cTn>
-                              </p:par>
-                            </p:childTnLst>
-                          </p:cTn>
-                        </p:par>
-                      </p:childTnLst>
-                    </p:cTn>
-                  </p:par>
-                  <p:par>
-                    <p:cTn id="15" fill="hold">
-                      <p:stCondLst>
-                        <p:cond delay="indefinite"/>
-                      </p:stCondLst>
-                      <p:childTnLst>
-                        <p:par>
-                          <p:cTn id="16" fill="hold">
-                            <p:stCondLst>
-                              <p:cond delay="0"/>
-                            </p:stCondLst>
-                            <p:childTnLst>
-                              <p:par>
-                                <p:cTn id="17" presetID="42" presetClass="entr" presetSubtype="0" fill="hold" nodeType="clickEffect">
-                                  <p:stCondLst>
-                                    <p:cond delay="0"/>
-                                  </p:stCondLst>
-                                  <p:childTnLst>
-                                    <p:set>
-                                      <p:cBhvr>
-                                        <p:cTn id="18" dur="1" fill="hold">
-                                          <p:stCondLst>
-                                            <p:cond delay="0"/>
-                                          </p:stCondLst>
-                                        </p:cTn>
-                                        <p:tgtEl>
-                                          <p:spTgt spid="23"/>
-                                        </p:tgtEl>
-                                        <p:attrNameLst>
-                                          <p:attrName>style.visibility</p:attrName>
-                                        </p:attrNameLst>
-                                      </p:cBhvr>
-                                      <p:to>
-                                        <p:strVal val="visible"/>
-                                      </p:to>
-                                    </p:set>
-                                    <p:animEffect transition="in" filter="fade">
-                                      <p:cBhvr>
-                                        <p:cTn id="19" dur="1000"/>
-                                        <p:tgtEl>
-                                          <p:spTgt spid="23"/>
-                                        </p:tgtEl>
-                                      </p:cBhvr>
-                                    </p:animEffect>
-                                    <p:anim calcmode="lin" valueType="num">
-                                      <p:cBhvr>
-                                        <p:cTn id="20" dur="1000" fill="hold"/>
-                                        <p:tgtEl>
-                                          <p:spTgt spid="23"/>
-                                        </p:tgtEl>
-                                        <p:attrNameLst>
-                                          <p:attrName>ppt_x</p:attrName>
-                                        </p:attrNameLst>
-                                      </p:cBhvr>
-                                      <p:tavLst>
-                                        <p:tav tm="0">
-                                          <p:val>
-                                            <p:strVal val="#ppt_x"/>
-                                          </p:val>
-                                        </p:tav>
-                                        <p:tav tm="100000">
-                                          <p:val>
-                                            <p:strVal val="#ppt_x"/>
-                                          </p:val>
-                                        </p:tav>
-                                      </p:tavLst>
-                                    </p:anim>
-                                    <p:anim calcmode="lin" valueType="num">
-                                      <p:cBhvr>
-                                        <p:cTn id="21" dur="1000" fill="hold"/>
-                                        <p:tgtEl>
-                                          <p:spTgt spid="23"/>
-                                        </p:tgtEl>
-                                        <p:attrNameLst>
-                                          <p:attrName>ppt_y</p:attrName>
-                                        </p:attrNameLst>
-                                      </p:cBhvr>
-                                      <p:tavLst>
-                                        <p:tav tm="0">
-                                          <p:val>
-                                            <p:strVal val="#ppt_y+.1"/>
-                                          </p:val>
-                                        </p:tav>
-                                        <p:tav tm="100000">
-                                          <p:val>
-                                            <p:strVal val="#ppt_y"/>
-                                          </p:val>
-                                        </p:tav>
-                                      </p:tavLst>
-                                    </p:anim>
-                                  </p:childTnLst>
-                                </p:cTn>
-                              </p:par>
-                            </p:childTnLst>
-                          </p:cTn>
-                        </p:par>
-                      </p:childTnLst>
-                    </p:cTn>
-                  </p:par>
-                  <p:par>
-                    <p:cTn id="22" fill="hold">
-                      <p:stCondLst>
-                        <p:cond delay="indefinite"/>
-                      </p:stCondLst>
-                      <p:childTnLst>
-                        <p:par>
-                          <p:cTn id="23" fill="hold">
-                            <p:stCondLst>
-                              <p:cond delay="0"/>
-                            </p:stCondLst>
-                            <p:childTnLst>
-                              <p:par>
-                                <p:cTn id="24" presetID="42" presetClass="entr" presetSubtype="0" fill="hold" nodeType="clickEffect">
-                                  <p:stCondLst>
-                                    <p:cond delay="0"/>
-                                  </p:stCondLst>
-                                  <p:childTnLst>
-                                    <p:set>
-                                      <p:cBhvr>
-                                        <p:cTn id="25" dur="1" fill="hold">
-                                          <p:stCondLst>
-                                            <p:cond delay="0"/>
-                                          </p:stCondLst>
-                                        </p:cTn>
-                                        <p:tgtEl>
-                                          <p:spTgt spid="32"/>
-                                        </p:tgtEl>
-                                        <p:attrNameLst>
-                                          <p:attrName>style.visibility</p:attrName>
-                                        </p:attrNameLst>
-                                      </p:cBhvr>
-                                      <p:to>
-                                        <p:strVal val="visible"/>
-                                      </p:to>
-                                    </p:set>
-                                    <p:animEffect transition="in" filter="fade">
-                                      <p:cBhvr>
-                                        <p:cTn id="26" dur="1000"/>
-                                        <p:tgtEl>
-                                          <p:spTgt spid="32"/>
-                                        </p:tgtEl>
-                                      </p:cBhvr>
-                                    </p:animEffect>
-                                    <p:anim calcmode="lin" valueType="num">
-                                      <p:cBhvr>
-                                        <p:cTn id="27" dur="1000" fill="hold"/>
-                                        <p:tgtEl>
-                                          <p:spTgt spid="32"/>
-                                        </p:tgtEl>
-                                        <p:attrNameLst>
-                                          <p:attrName>ppt_x</p:attrName>
-                                        </p:attrNameLst>
-                                      </p:cBhvr>
-                                      <p:tavLst>
-                                        <p:tav tm="0">
-                                          <p:val>
-                                            <p:strVal val="#ppt_x"/>
-                                          </p:val>
-                                        </p:tav>
-                                        <p:tav tm="100000">
-                                          <p:val>
-                                            <p:strVal val="#ppt_x"/>
-                                          </p:val>
-                                        </p:tav>
-                                      </p:tavLst>
-                                    </p:anim>
-                                    <p:anim calcmode="lin" valueType="num">
-                                      <p:cBhvr>
-                                        <p:cTn id="28" dur="1000" fill="hold"/>
-                                        <p:tgtEl>
-                                          <p:spTgt spid="32"/>
-                                        </p:tgtEl>
-                                        <p:attrNameLst>
-                                          <p:attrName>ppt_y</p:attrName>
-                                        </p:attrNameLst>
-                                      </p:cBhvr>
-                                      <p:tavLst>
-                                        <p:tav tm="0">
-                                          <p:val>
-                                            <p:strVal val="#ppt_y+.1"/>
-                                          </p:val>
-                                        </p:tav>
-                                        <p:tav tm="100000">
-                                          <p:val>
-                                            <p:strVal val="#ppt_y"/>
-                                          </p:val>
-                                        </p:tav>
-                                      </p:tavLst>
-                                    </p:anim>
-                                  </p:childTnLst>
-                                </p:cTn>
-                              </p:par>
-                            </p:childTnLst>
-                          </p:cTn>
-                        </p:par>
-                      </p:childTnLst>
-                    </p:cTn>
-                  </p:par>
-                  <p:par>
-                    <p:cTn id="29" fill="hold">
-                      <p:stCondLst>
-                        <p:cond delay="indefinite"/>
-                      </p:stCondLst>
-                      <p:childTnLst>
-                        <p:par>
-                          <p:cTn id="30" fill="hold">
-                            <p:stCondLst>
-                              <p:cond delay="0"/>
-                            </p:stCondLst>
-                            <p:childTnLst>
-                              <p:par>
-                                <p:cTn id="31" presetID="42" presetClass="entr" presetSubtype="0" fill="hold" nodeType="clickEffect">
-                                  <p:stCondLst>
-                                    <p:cond delay="0"/>
-                                  </p:stCondLst>
-                                  <p:childTnLst>
-                                    <p:set>
-                                      <p:cBhvr>
-                                        <p:cTn id="32" dur="1" fill="hold">
-                                          <p:stCondLst>
-                                            <p:cond delay="0"/>
-                                          </p:stCondLst>
-                                        </p:cTn>
-                                        <p:tgtEl>
-                                          <p:spTgt spid="37"/>
-                                        </p:tgtEl>
-                                        <p:attrNameLst>
-                                          <p:attrName>style.visibility</p:attrName>
-                                        </p:attrNameLst>
-                                      </p:cBhvr>
-                                      <p:to>
-                                        <p:strVal val="visible"/>
-                                      </p:to>
-                                    </p:set>
-                                    <p:animEffect transition="in" filter="fade">
-                                      <p:cBhvr>
-                                        <p:cTn id="33" dur="1000"/>
-                                        <p:tgtEl>
-                                          <p:spTgt spid="37"/>
-                                        </p:tgtEl>
-                                      </p:cBhvr>
-                                    </p:animEffect>
-                                    <p:anim calcmode="lin" valueType="num">
-                                      <p:cBhvr>
-                                        <p:cTn id="34" dur="1000" fill="hold"/>
-                                        <p:tgtEl>
-                                          <p:spTgt spid="37"/>
-                                        </p:tgtEl>
-                                        <p:attrNameLst>
-                                          <p:attrName>ppt_x</p:attrName>
-                                        </p:attrNameLst>
-                                      </p:cBhvr>
-                                      <p:tavLst>
-                                        <p:tav tm="0">
-                                          <p:val>
-                                            <p:strVal val="#ppt_x"/>
-                                          </p:val>
-                                        </p:tav>
-                                        <p:tav tm="100000">
-                                          <p:val>
-                                            <p:strVal val="#ppt_x"/>
-                                          </p:val>
-                                        </p:tav>
-                                      </p:tavLst>
-                                    </p:anim>
-                                    <p:anim calcmode="lin" valueType="num">
-                                      <p:cBhvr>
-                                        <p:cTn id="35" dur="1000" fill="hold"/>
-                                        <p:tgtEl>
-                                          <p:spTgt spid="37"/>
-                                        </p:tgtEl>
-                                        <p:attrNameLst>
-                                          <p:attrName>ppt_y</p:attrName>
-                                        </p:attrNameLst>
-                                      </p:cBhvr>
-                                      <p:tavLst>
-                                        <p:tav tm="0">
-                                          <p:val>
-                                            <p:strVal val="#ppt_y+.1"/>
-                                          </p:val>
-                                        </p:tav>
-                                        <p:tav tm="100000">
-                                          <p:val>
-                                            <p:strVal val="#ppt_y"/>
-                                          </p:val>
-                                        </p:tav>
-                                      </p:tavLst>
-                                    </p:anim>
-                                  </p:childTnLst>
-                                </p:cTn>
-                              </p:par>
-                            </p:childTnLst>
-                          </p:cTn>
-                        </p:par>
-                      </p:childTnLst>
-                    </p:cTn>
-                  </p:par>
-                </p:childTnLst>
-              </p:cTn>
-              <p:prevCondLst>
-                <p:cond evt="onPrev" delay="0">
-                  <p:tgtEl>
-                    <p:sldTgt/>
-                  </p:tgtEl>
-                </p:cond>
-              </p:prevCondLst>
-              <p:nextCondLst>
-                <p:cond evt="onNext" delay="0">
-                  <p:tgtEl>
-                    <p:sldTgt/>
-                  </p:tgtEl>
-                </p:cond>
-              </p:nextCondLst>
-            </p:seq>
-          </p:childTnLst>
-        </p:cTn>
-      </p:par>
-    </p:tnLst>
-    <p:bldLst>
-      <p:bldP spid="14" grpId="0"/>
-    </p:bldLst>
-  </p:timing>
 </p:sld>
 </file>
 
@@ -5910,7 +5396,7 @@
         </p:nvSpPr>
         <p:spPr>
           <a:xfrm>
-            <a:off x="3662497" y="4061726"/>
+            <a:off x="6346449" y="4065832"/>
             <a:ext cx="2220480" cy="477054"/>
           </a:xfrm>
           <a:prstGeom prst="rect">
@@ -5945,7 +5431,7 @@
         </p:nvSpPr>
         <p:spPr>
           <a:xfrm>
-            <a:off x="6501603" y="4103127"/>
+            <a:off x="3849431" y="4051174"/>
             <a:ext cx="1899879" cy="477054"/>
           </a:xfrm>
           <a:prstGeom prst="rect">
@@ -5960,10 +5446,9 @@
           <a:lstStyle/>
           <a:p>
             <a:r>
-              <a:rPr lang="ko-KR" altLang="en-US" sz="2500"/>
+              <a:rPr lang="ko-KR" altLang="en-US" sz="2500" dirty="0"/>
               <a:t>이벤트 출력</a:t>
             </a:r>
-            <a:endParaRPr lang="ko-KR" altLang="en-US" sz="2500" dirty="0"/>
           </a:p>
         </p:txBody>
       </p:sp>
@@ -6060,7 +5545,7 @@
         </p:nvGraphicFramePr>
         <p:xfrm>
           <a:off x="295927" y="333829"/>
-          <a:ext cx="9580227" cy="6190341"/>
+          <a:ext cx="9580227" cy="5828109"/>
         </p:xfrm>
         <a:graphic>
           <a:graphicData uri="http://schemas.openxmlformats.org/drawingml/2006/table">
